--- a/public/user/output/U201812791-刘棫欣-1.《喜马拉雅FM免费增值策略对用户留存的影响的实证研究》/output_8_3.pptx
+++ b/public/user/output/U201812791-刘棫欣-1.《喜马拉雅FM免费增值策略对用户留存的影响的实证研究》/output_8_3.pptx
@@ -3619,7 +3619,7 @@
               </a:defRPr>
             </a:pPr>
             <a:r>
-              <a:t>- 主播选收费模式优先考虑是否支持VIP服务</a:t>
+              <a:t>- 主播依平台章节总体收费定专辑价格。</a:t>
             </a:r>
           </a:p>
         </p:txBody>
@@ -3655,7 +3655,7 @@
               </a:defRPr>
             </a:pPr>
             <a:r>
-              <a:t>- 确定章节价格要依平台总体收费</a:t>
+              <a:t>- 收费节点负向影响付费转化率，部分专辑受影响小。</a:t>
             </a:r>
           </a:p>
         </p:txBody>
@@ -3683,7 +3683,7 @@
           <a:lstStyle/>
           <a:p>
             <a:pPr>
-              <a:defRPr b="0" sz="2000">
+              <a:defRPr b="1" sz="2200">
                 <a:solidFill>
                   <a:srgbClr val="000000"/>
                 </a:solidFill>
@@ -3691,7 +3691,7 @@
               </a:defRPr>
             </a:pPr>
             <a:r>
-              <a:t>- 收费节点位置对付费转化率有负向影响</a:t>
+              <a:t>5. 研究不足与展望</a:t>
             </a:r>
           </a:p>
         </p:txBody>
@@ -3727,7 +3727,7 @@
               </a:defRPr>
             </a:pPr>
             <a:r>
-              <a:t>- 部分专辑付费转化率受收费节点影响小，因主播有更多粉丝等特征</a:t>
+              <a:t>- 仅聚焦喜马拉雅FM平台，选择有局限性。</a:t>
             </a:r>
           </a:p>
         </p:txBody>
